--- a/Datathon_Takeaway.pptx
+++ b/Datathon_Takeaway.pptx
@@ -31197,7 +31197,7 @@
             <a:pPr lvl="1"/>
             <a:r>
               <a:rPr lang="en-CA" sz="1800" dirty="0"/>
-              <a:t>We believe that the total number of successful takeaways is the best matrix to evaluate a player’s ability to perform takeaways, since we need someone who can constantly perform successful takeaways in an entire season when facing different teams with different styles, instead of someone with a higher per game takeaway ratio but has only carried out those successful takeaways during limited games where favorable condition applies.</a:t>
+              <a:t>We believe that the total number of successful takeaways is the best matrix to evaluate a player’s ability to perform takeaways, since we need someone who can constantly perform successful takeaways in an entire season when facing different teams with different styles in different conditions, instead of someone with a higher per game takeaway ratio but has only carried out those successful takeaways during limited games where favorable condition applies.</a:t>
             </a:r>
           </a:p>
           <a:p>
@@ -31267,7 +31267,7 @@
         </p:blipFill>
         <p:spPr>
           <a:xfrm>
-            <a:off x="602037" y="5013176"/>
+            <a:off x="602037" y="4988226"/>
             <a:ext cx="10983497" cy="1105070"/>
           </a:xfrm>
           <a:prstGeom prst="rect">
